--- a/JUMP CP.pptx
+++ b/JUMP CP.pptx
@@ -112,6 +112,11 @@
       </a:defRPr>
     </a:lvl9pPr>
   </p:defaultTextStyle>
+  <p:extLst>
+    <p:ext uri="{EFAFB233-063F-42B5-8137-9DF3F51BA10A}">
+      <p15:sldGuideLst xmlns:p15="http://schemas.microsoft.com/office/powerpoint/2012/main"/>
+    </p:ext>
+  </p:extLst>
 </p:presentation>
 </file>
 
@@ -262,7 +267,7 @@
           <a:p>
             <a:fld id="{62BD74CB-9F5B-4A33-B770-58869548A5C4}" type="datetimeFigureOut">
               <a:rPr lang="en-US" smtClean="0"/>
-              <a:t>7/3/2023</a:t>
+              <a:t>7/4/2023</a:t>
             </a:fld>
             <a:endParaRPr lang="en-US"/>
           </a:p>
@@ -460,7 +465,7 @@
           <a:p>
             <a:fld id="{62BD74CB-9F5B-4A33-B770-58869548A5C4}" type="datetimeFigureOut">
               <a:rPr lang="en-US" smtClean="0"/>
-              <a:t>7/3/2023</a:t>
+              <a:t>7/4/2023</a:t>
             </a:fld>
             <a:endParaRPr lang="en-US"/>
           </a:p>
@@ -668,7 +673,7 @@
           <a:p>
             <a:fld id="{62BD74CB-9F5B-4A33-B770-58869548A5C4}" type="datetimeFigureOut">
               <a:rPr lang="en-US" smtClean="0"/>
-              <a:t>7/3/2023</a:t>
+              <a:t>7/4/2023</a:t>
             </a:fld>
             <a:endParaRPr lang="en-US"/>
           </a:p>
@@ -866,7 +871,7 @@
           <a:p>
             <a:fld id="{62BD74CB-9F5B-4A33-B770-58869548A5C4}" type="datetimeFigureOut">
               <a:rPr lang="en-US" smtClean="0"/>
-              <a:t>7/3/2023</a:t>
+              <a:t>7/4/2023</a:t>
             </a:fld>
             <a:endParaRPr lang="en-US"/>
           </a:p>
@@ -1141,7 +1146,7 @@
           <a:p>
             <a:fld id="{62BD74CB-9F5B-4A33-B770-58869548A5C4}" type="datetimeFigureOut">
               <a:rPr lang="en-US" smtClean="0"/>
-              <a:t>7/3/2023</a:t>
+              <a:t>7/4/2023</a:t>
             </a:fld>
             <a:endParaRPr lang="en-US"/>
           </a:p>
@@ -1406,7 +1411,7 @@
           <a:p>
             <a:fld id="{62BD74CB-9F5B-4A33-B770-58869548A5C4}" type="datetimeFigureOut">
               <a:rPr lang="en-US" smtClean="0"/>
-              <a:t>7/3/2023</a:t>
+              <a:t>7/4/2023</a:t>
             </a:fld>
             <a:endParaRPr lang="en-US"/>
           </a:p>
@@ -1818,7 +1823,7 @@
           <a:p>
             <a:fld id="{62BD74CB-9F5B-4A33-B770-58869548A5C4}" type="datetimeFigureOut">
               <a:rPr lang="en-US" smtClean="0"/>
-              <a:t>7/3/2023</a:t>
+              <a:t>7/4/2023</a:t>
             </a:fld>
             <a:endParaRPr lang="en-US"/>
           </a:p>
@@ -1959,7 +1964,7 @@
           <a:p>
             <a:fld id="{62BD74CB-9F5B-4A33-B770-58869548A5C4}" type="datetimeFigureOut">
               <a:rPr lang="en-US" smtClean="0"/>
-              <a:t>7/3/2023</a:t>
+              <a:t>7/4/2023</a:t>
             </a:fld>
             <a:endParaRPr lang="en-US"/>
           </a:p>
@@ -2072,7 +2077,7 @@
           <a:p>
             <a:fld id="{62BD74CB-9F5B-4A33-B770-58869548A5C4}" type="datetimeFigureOut">
               <a:rPr lang="en-US" smtClean="0"/>
-              <a:t>7/3/2023</a:t>
+              <a:t>7/4/2023</a:t>
             </a:fld>
             <a:endParaRPr lang="en-US"/>
           </a:p>
@@ -2383,7 +2388,7 @@
           <a:p>
             <a:fld id="{62BD74CB-9F5B-4A33-B770-58869548A5C4}" type="datetimeFigureOut">
               <a:rPr lang="en-US" smtClean="0"/>
-              <a:t>7/3/2023</a:t>
+              <a:t>7/4/2023</a:t>
             </a:fld>
             <a:endParaRPr lang="en-US"/>
           </a:p>
@@ -2671,7 +2676,7 @@
           <a:p>
             <a:fld id="{62BD74CB-9F5B-4A33-B770-58869548A5C4}" type="datetimeFigureOut">
               <a:rPr lang="en-US" smtClean="0"/>
-              <a:t>7/3/2023</a:t>
+              <a:t>7/4/2023</a:t>
             </a:fld>
             <a:endParaRPr lang="en-US"/>
           </a:p>
@@ -2912,7 +2917,7 @@
           <a:p>
             <a:fld id="{62BD74CB-9F5B-4A33-B770-58869548A5C4}" type="datetimeFigureOut">
               <a:rPr lang="en-US" smtClean="0"/>
-              <a:t>7/3/2023</a:t>
+              <a:t>7/4/2023</a:t>
             </a:fld>
             <a:endParaRPr lang="en-US"/>
           </a:p>
@@ -4934,7 +4939,7 @@
           <a:lstStyle/>
           <a:p>
             <a:pPr algn="ctr"/>
-            <a:endParaRPr lang="en-US"/>
+            <a:endParaRPr lang="en-US" dirty="0"/>
           </a:p>
         </p:txBody>
       </p:sp>
@@ -5011,7 +5016,15 @@
           <a:p>
             <a:r>
               <a:rPr lang="en-US" dirty="0"/>
-              <a:t>Historical Ksilink DB (in progress)</a:t>
+              <a:t>Historical </a:t>
+            </a:r>
+            <a:r>
+              <a:rPr lang="en-US" dirty="0" err="1"/>
+              <a:t>Ksilink</a:t>
+            </a:r>
+            <a:r>
+              <a:rPr lang="en-US" dirty="0"/>
+              <a:t> DB (in progress)</a:t>
             </a:r>
           </a:p>
         </p:txBody>

--- a/JUMP CP.pptx
+++ b/JUMP CP.pptx
@@ -14,6 +14,7 @@
     <p:sldId id="263" r:id="rId8"/>
     <p:sldId id="261" r:id="rId9"/>
     <p:sldId id="262" r:id="rId10"/>
+    <p:sldId id="266" r:id="rId11"/>
   </p:sldIdLst>
   <p:sldSz cx="12192000" cy="6858000"/>
   <p:notesSz cx="6858000" cy="9144000"/>
@@ -267,7 +268,7 @@
           <a:p>
             <a:fld id="{62BD74CB-9F5B-4A33-B770-58869548A5C4}" type="datetimeFigureOut">
               <a:rPr lang="en-US" smtClean="0"/>
-              <a:t>7/4/2023</a:t>
+              <a:t>7/5/2023</a:t>
             </a:fld>
             <a:endParaRPr lang="en-US"/>
           </a:p>
@@ -465,7 +466,7 @@
           <a:p>
             <a:fld id="{62BD74CB-9F5B-4A33-B770-58869548A5C4}" type="datetimeFigureOut">
               <a:rPr lang="en-US" smtClean="0"/>
-              <a:t>7/4/2023</a:t>
+              <a:t>7/5/2023</a:t>
             </a:fld>
             <a:endParaRPr lang="en-US"/>
           </a:p>
@@ -673,7 +674,7 @@
           <a:p>
             <a:fld id="{62BD74CB-9F5B-4A33-B770-58869548A5C4}" type="datetimeFigureOut">
               <a:rPr lang="en-US" smtClean="0"/>
-              <a:t>7/4/2023</a:t>
+              <a:t>7/5/2023</a:t>
             </a:fld>
             <a:endParaRPr lang="en-US"/>
           </a:p>
@@ -871,7 +872,7 @@
           <a:p>
             <a:fld id="{62BD74CB-9F5B-4A33-B770-58869548A5C4}" type="datetimeFigureOut">
               <a:rPr lang="en-US" smtClean="0"/>
-              <a:t>7/4/2023</a:t>
+              <a:t>7/5/2023</a:t>
             </a:fld>
             <a:endParaRPr lang="en-US"/>
           </a:p>
@@ -1146,7 +1147,7 @@
           <a:p>
             <a:fld id="{62BD74CB-9F5B-4A33-B770-58869548A5C4}" type="datetimeFigureOut">
               <a:rPr lang="en-US" smtClean="0"/>
-              <a:t>7/4/2023</a:t>
+              <a:t>7/5/2023</a:t>
             </a:fld>
             <a:endParaRPr lang="en-US"/>
           </a:p>
@@ -1411,7 +1412,7 @@
           <a:p>
             <a:fld id="{62BD74CB-9F5B-4A33-B770-58869548A5C4}" type="datetimeFigureOut">
               <a:rPr lang="en-US" smtClean="0"/>
-              <a:t>7/4/2023</a:t>
+              <a:t>7/5/2023</a:t>
             </a:fld>
             <a:endParaRPr lang="en-US"/>
           </a:p>
@@ -1823,7 +1824,7 @@
           <a:p>
             <a:fld id="{62BD74CB-9F5B-4A33-B770-58869548A5C4}" type="datetimeFigureOut">
               <a:rPr lang="en-US" smtClean="0"/>
-              <a:t>7/4/2023</a:t>
+              <a:t>7/5/2023</a:t>
             </a:fld>
             <a:endParaRPr lang="en-US"/>
           </a:p>
@@ -1964,7 +1965,7 @@
           <a:p>
             <a:fld id="{62BD74CB-9F5B-4A33-B770-58869548A5C4}" type="datetimeFigureOut">
               <a:rPr lang="en-US" smtClean="0"/>
-              <a:t>7/4/2023</a:t>
+              <a:t>7/5/2023</a:t>
             </a:fld>
             <a:endParaRPr lang="en-US"/>
           </a:p>
@@ -2077,7 +2078,7 @@
           <a:p>
             <a:fld id="{62BD74CB-9F5B-4A33-B770-58869548A5C4}" type="datetimeFigureOut">
               <a:rPr lang="en-US" smtClean="0"/>
-              <a:t>7/4/2023</a:t>
+              <a:t>7/5/2023</a:t>
             </a:fld>
             <a:endParaRPr lang="en-US"/>
           </a:p>
@@ -2388,7 +2389,7 @@
           <a:p>
             <a:fld id="{62BD74CB-9F5B-4A33-B770-58869548A5C4}" type="datetimeFigureOut">
               <a:rPr lang="en-US" smtClean="0"/>
-              <a:t>7/4/2023</a:t>
+              <a:t>7/5/2023</a:t>
             </a:fld>
             <a:endParaRPr lang="en-US"/>
           </a:p>
@@ -2676,7 +2677,7 @@
           <a:p>
             <a:fld id="{62BD74CB-9F5B-4A33-B770-58869548A5C4}" type="datetimeFigureOut">
               <a:rPr lang="en-US" smtClean="0"/>
-              <a:t>7/4/2023</a:t>
+              <a:t>7/5/2023</a:t>
             </a:fld>
             <a:endParaRPr lang="en-US"/>
           </a:p>
@@ -2917,7 +2918,7 @@
           <a:p>
             <a:fld id="{62BD74CB-9F5B-4A33-B770-58869548A5C4}" type="datetimeFigureOut">
               <a:rPr lang="en-US" smtClean="0"/>
-              <a:t>7/4/2023</a:t>
+              <a:t>7/5/2023</a:t>
             </a:fld>
             <a:endParaRPr lang="en-US"/>
           </a:p>
@@ -3394,6 +3395,1026 @@
     <p:extLst>
       <p:ext uri="{BB962C8B-B14F-4D97-AF65-F5344CB8AC3E}">
         <p14:creationId xmlns:p14="http://schemas.microsoft.com/office/powerpoint/2010/main" val="2967878938"/>
+      </p:ext>
+    </p:extLst>
+  </p:cSld>
+  <p:clrMapOvr>
+    <a:masterClrMapping/>
+  </p:clrMapOvr>
+</p:sld>
+</file>
+
+<file path=ppt/slides/slide10.xml><?xml version="1.0" encoding="utf-8"?>
+<p:sld xmlns:a="http://schemas.openxmlformats.org/drawingml/2006/main" xmlns:r="http://schemas.openxmlformats.org/officeDocument/2006/relationships" xmlns:p="http://schemas.openxmlformats.org/presentationml/2006/main">
+  <p:cSld>
+    <p:bg>
+      <p:bgPr>
+        <a:solidFill>
+          <a:schemeClr val="bg1"/>
+        </a:solidFill>
+        <a:effectLst/>
+      </p:bgPr>
+    </p:bg>
+    <p:spTree>
+      <p:nvGrpSpPr>
+        <p:cNvPr id="1" name=""/>
+        <p:cNvGrpSpPr/>
+        <p:nvPr/>
+      </p:nvGrpSpPr>
+      <p:grpSpPr>
+        <a:xfrm>
+          <a:off x="0" y="0"/>
+          <a:ext cx="0" cy="0"/>
+          <a:chOff x="0" y="0"/>
+          <a:chExt cx="0" cy="0"/>
+        </a:xfrm>
+      </p:grpSpPr>
+      <p:sp useBgFill="1">
+        <p:nvSpPr>
+          <p:cNvPr id="10" name="Rectangle 9">
+            <a:extLst>
+              <a:ext uri="{FF2B5EF4-FFF2-40B4-BE49-F238E27FC236}">
+                <a16:creationId xmlns:a16="http://schemas.microsoft.com/office/drawing/2014/main" id="{1A95671B-3CC6-4792-9114-B74FAEA224E6}"/>
+              </a:ext>
+              <a:ext uri="{C183D7F6-B498-43B3-948B-1728B52AA6E4}">
+                <adec:decorative xmlns:adec="http://schemas.microsoft.com/office/drawing/2017/decorative" val="1"/>
+              </a:ext>
+            </a:extLst>
+          </p:cNvPr>
+          <p:cNvSpPr>
+            <a:spLocks noGrp="1" noRot="1" noChangeAspect="1" noMove="1" noResize="1" noEditPoints="1" noAdjustHandles="1" noChangeArrowheads="1" noChangeShapeType="1" noTextEdit="1"/>
+          </p:cNvSpPr>
+          <p:nvPr>
+            <p:extLst>
+              <p:ext uri="{386F3935-93C4-4BCD-93E2-E3B085C9AB24}">
+                <p16:designElem xmlns:p16="http://schemas.microsoft.com/office/powerpoint/2015/main" val="1"/>
+              </p:ext>
+            </p:extLst>
+          </p:nvPr>
+        </p:nvSpPr>
+        <p:spPr>
+          <a:xfrm>
+            <a:off x="0" y="0"/>
+            <a:ext cx="12188952" cy="6858000"/>
+          </a:xfrm>
+          <a:prstGeom prst="rect">
+            <a:avLst/>
+          </a:prstGeom>
+          <a:ln>
+            <a:noFill/>
+          </a:ln>
+        </p:spPr>
+        <p:style>
+          <a:lnRef idx="2">
+            <a:schemeClr val="accent1">
+              <a:shade val="50000"/>
+            </a:schemeClr>
+          </a:lnRef>
+          <a:fillRef idx="1">
+            <a:schemeClr val="accent1"/>
+          </a:fillRef>
+          <a:effectRef idx="0">
+            <a:schemeClr val="accent1"/>
+          </a:effectRef>
+          <a:fontRef idx="minor">
+            <a:schemeClr val="lt1"/>
+          </a:fontRef>
+        </p:style>
+        <p:txBody>
+          <a:bodyPr rtlCol="0" anchor="ctr"/>
+          <a:lstStyle/>
+          <a:p>
+            <a:pPr algn="ctr"/>
+            <a:endParaRPr lang="en-US"/>
+          </a:p>
+        </p:txBody>
+      </p:sp>
+      <p:sp>
+        <p:nvSpPr>
+          <p:cNvPr id="2" name="Title 1">
+            <a:extLst>
+              <a:ext uri="{FF2B5EF4-FFF2-40B4-BE49-F238E27FC236}">
+                <a16:creationId xmlns:a16="http://schemas.microsoft.com/office/drawing/2014/main" id="{BAC7DDB3-579C-8FE4-E558-159B23B00AEF}"/>
+              </a:ext>
+            </a:extLst>
+          </p:cNvPr>
+          <p:cNvSpPr>
+            <a:spLocks noGrp="1"/>
+          </p:cNvSpPr>
+          <p:nvPr>
+            <p:ph type="title"/>
+          </p:nvPr>
+        </p:nvSpPr>
+        <p:spPr>
+          <a:xfrm>
+            <a:off x="1008184" y="174032"/>
+            <a:ext cx="10175631" cy="1111843"/>
+          </a:xfrm>
+        </p:spPr>
+        <p:txBody>
+          <a:bodyPr anchor="ctr">
+            <a:normAutofit/>
+          </a:bodyPr>
+          <a:lstStyle/>
+          <a:p>
+            <a:pPr algn="ctr"/>
+            <a:r>
+              <a:rPr lang="en-US" sz="4000" b="1"/>
+              <a:t>Utilizing JUMP_CP Data to Enrich Hit Compounds.</a:t>
+            </a:r>
+          </a:p>
+        </p:txBody>
+      </p:sp>
+      <p:sp>
+        <p:nvSpPr>
+          <p:cNvPr id="3" name="Content Placeholder 2">
+            <a:extLst>
+              <a:ext uri="{FF2B5EF4-FFF2-40B4-BE49-F238E27FC236}">
+                <a16:creationId xmlns:a16="http://schemas.microsoft.com/office/drawing/2014/main" id="{E42023C9-BF23-C4DB-377B-F03A74DA81EF}"/>
+              </a:ext>
+            </a:extLst>
+          </p:cNvPr>
+          <p:cNvSpPr>
+            <a:spLocks noGrp="1"/>
+          </p:cNvSpPr>
+          <p:nvPr>
+            <p:ph idx="1"/>
+          </p:nvPr>
+        </p:nvSpPr>
+        <p:spPr>
+          <a:xfrm>
+            <a:off x="1008184" y="1459907"/>
+            <a:ext cx="10175630" cy="767904"/>
+          </a:xfrm>
+        </p:spPr>
+        <p:txBody>
+          <a:bodyPr anchor="ctr">
+            <a:normAutofit/>
+          </a:bodyPr>
+          <a:lstStyle/>
+          <a:p>
+            <a:pPr algn="ctr"/>
+            <a:r>
+              <a:rPr lang="en-US" sz="2000" dirty="0"/>
+              <a:t>DM1  : 127 compounds</a:t>
+            </a:r>
+          </a:p>
+          <a:p>
+            <a:pPr algn="ctr"/>
+            <a:r>
+              <a:rPr lang="en-US" sz="2000" dirty="0"/>
+              <a:t>PD :  57 compounds</a:t>
+            </a:r>
+          </a:p>
+          <a:p>
+            <a:pPr algn="ctr"/>
+            <a:endParaRPr lang="en-US" sz="2000" dirty="0"/>
+          </a:p>
+        </p:txBody>
+      </p:sp>
+      <p:graphicFrame>
+        <p:nvGraphicFramePr>
+          <p:cNvPr id="5" name="Table 4">
+            <a:extLst>
+              <a:ext uri="{FF2B5EF4-FFF2-40B4-BE49-F238E27FC236}">
+                <a16:creationId xmlns:a16="http://schemas.microsoft.com/office/drawing/2014/main" id="{D2A0DA67-8D41-DD76-3EAC-0DD55A9D76AA}"/>
+              </a:ext>
+            </a:extLst>
+          </p:cNvPr>
+          <p:cNvGraphicFramePr>
+            <a:graphicFrameLocks noGrp="1"/>
+          </p:cNvGraphicFramePr>
+          <p:nvPr>
+            <p:extLst>
+              <p:ext uri="{D42A27DB-BD31-4B8C-83A1-F6EECF244321}">
+                <p14:modId xmlns:p14="http://schemas.microsoft.com/office/powerpoint/2010/main" val="4116859274"/>
+              </p:ext>
+            </p:extLst>
+          </p:nvPr>
+        </p:nvGraphicFramePr>
+        <p:xfrm>
+          <a:off x="2751152" y="2888311"/>
+          <a:ext cx="7041144" cy="1849407"/>
+        </p:xfrm>
+        <a:graphic>
+          <a:graphicData uri="http://schemas.openxmlformats.org/drawingml/2006/table">
+            <a:tbl>
+              <a:tblPr firstRow="1" bandRow="1">
+                <a:tableStyleId>{21E4AEA4-8DFA-4A89-87EB-49C32662AFE0}</a:tableStyleId>
+              </a:tblPr>
+              <a:tblGrid>
+                <a:gridCol w="1250408">
+                  <a:extLst>
+                    <a:ext uri="{9D8B030D-6E8A-4147-A177-3AD203B41FA5}">
+                      <a16:colId xmlns:a16="http://schemas.microsoft.com/office/drawing/2014/main" val="2907573702"/>
+                    </a:ext>
+                  </a:extLst>
+                </a:gridCol>
+                <a:gridCol w="943087">
+                  <a:extLst>
+                    <a:ext uri="{9D8B030D-6E8A-4147-A177-3AD203B41FA5}">
+                      <a16:colId xmlns:a16="http://schemas.microsoft.com/office/drawing/2014/main" val="3029013971"/>
+                    </a:ext>
+                  </a:extLst>
+                </a:gridCol>
+                <a:gridCol w="522124">
+                  <a:extLst>
+                    <a:ext uri="{9D8B030D-6E8A-4147-A177-3AD203B41FA5}">
+                      <a16:colId xmlns:a16="http://schemas.microsoft.com/office/drawing/2014/main" val="462012270"/>
+                    </a:ext>
+                  </a:extLst>
+                </a:gridCol>
+                <a:gridCol w="719000">
+                  <a:extLst>
+                    <a:ext uri="{9D8B030D-6E8A-4147-A177-3AD203B41FA5}">
+                      <a16:colId xmlns:a16="http://schemas.microsoft.com/office/drawing/2014/main" val="2051360273"/>
+                    </a:ext>
+                  </a:extLst>
+                </a:gridCol>
+                <a:gridCol w="3606525">
+                  <a:extLst>
+                    <a:ext uri="{9D8B030D-6E8A-4147-A177-3AD203B41FA5}">
+                      <a16:colId xmlns:a16="http://schemas.microsoft.com/office/drawing/2014/main" val="835306716"/>
+                    </a:ext>
+                  </a:extLst>
+                </a:gridCol>
+              </a:tblGrid>
+              <a:tr h="459987">
+                <a:tc>
+                  <a:txBody>
+                    <a:bodyPr/>
+                    <a:lstStyle/>
+                    <a:p>
+                      <a:pPr algn="ctr" fontAlgn="b"/>
+                      <a:r>
+                        <a:rPr lang="en-US" sz="1200" u="none" strike="noStrike" dirty="0">
+                          <a:effectLst/>
+                        </a:rPr>
+                        <a:t>name</a:t>
+                      </a:r>
+                      <a:endParaRPr lang="en-US" sz="1200" b="0" i="0" u="none" strike="noStrike" dirty="0">
+                        <a:solidFill>
+                          <a:srgbClr val="000000"/>
+                        </a:solidFill>
+                        <a:effectLst/>
+                        <a:latin typeface="Calibri" panose="020F0502020204030204" pitchFamily="34" charset="0"/>
+                      </a:endParaRPr>
+                    </a:p>
+                  </a:txBody>
+                  <a:tcPr marL="14343" marR="14343" marT="14343" marB="0" anchor="b"/>
+                </a:tc>
+                <a:tc>
+                  <a:txBody>
+                    <a:bodyPr/>
+                    <a:lstStyle/>
+                    <a:p>
+                      <a:pPr algn="ctr" fontAlgn="b"/>
+                      <a:r>
+                        <a:rPr lang="en-US" sz="1200" u="none" strike="noStrike">
+                          <a:effectLst/>
+                        </a:rPr>
+                        <a:t>profile sim</a:t>
+                      </a:r>
+                      <a:endParaRPr lang="en-US" sz="1200" b="0" i="0" u="none" strike="noStrike">
+                        <a:solidFill>
+                          <a:srgbClr val="000000"/>
+                        </a:solidFill>
+                        <a:effectLst/>
+                        <a:latin typeface="Calibri" panose="020F0502020204030204" pitchFamily="34" charset="0"/>
+                      </a:endParaRPr>
+                    </a:p>
+                  </a:txBody>
+                  <a:tcPr marL="14343" marR="14343" marT="14343" marB="0" anchor="b"/>
+                </a:tc>
+                <a:tc>
+                  <a:txBody>
+                    <a:bodyPr/>
+                    <a:lstStyle/>
+                    <a:p>
+                      <a:pPr algn="ctr" fontAlgn="b"/>
+                      <a:r>
+                        <a:rPr lang="en-US" sz="1200" u="none" strike="noStrike">
+                          <a:effectLst/>
+                        </a:rPr>
+                        <a:t>target</a:t>
+                      </a:r>
+                      <a:endParaRPr lang="en-US" sz="1200" b="0" i="0" u="none" strike="noStrike">
+                        <a:solidFill>
+                          <a:srgbClr val="000000"/>
+                        </a:solidFill>
+                        <a:effectLst/>
+                        <a:latin typeface="Calibri" panose="020F0502020204030204" pitchFamily="34" charset="0"/>
+                      </a:endParaRPr>
+                    </a:p>
+                  </a:txBody>
+                  <a:tcPr marL="14343" marR="14343" marT="14343" marB="0" anchor="b"/>
+                </a:tc>
+                <a:tc>
+                  <a:txBody>
+                    <a:bodyPr/>
+                    <a:lstStyle/>
+                    <a:p>
+                      <a:pPr algn="ctr" fontAlgn="b"/>
+                      <a:r>
+                        <a:rPr lang="en-US" sz="1200" u="none" strike="noStrike">
+                          <a:effectLst/>
+                        </a:rPr>
+                        <a:t>structerre sim</a:t>
+                      </a:r>
+                      <a:endParaRPr lang="en-US" sz="1200" b="0" i="0" u="none" strike="noStrike">
+                        <a:solidFill>
+                          <a:srgbClr val="000000"/>
+                        </a:solidFill>
+                        <a:effectLst/>
+                        <a:latin typeface="Calibri" panose="020F0502020204030204" pitchFamily="34" charset="0"/>
+                      </a:endParaRPr>
+                    </a:p>
+                  </a:txBody>
+                  <a:tcPr marL="14343" marR="14343" marT="14343" marB="0" anchor="b"/>
+                </a:tc>
+                <a:tc>
+                  <a:txBody>
+                    <a:bodyPr/>
+                    <a:lstStyle/>
+                    <a:p>
+                      <a:pPr algn="ctr" fontAlgn="b"/>
+                      <a:r>
+                        <a:rPr lang="en-US" sz="1200" u="none" strike="noStrike" dirty="0">
+                          <a:effectLst/>
+                        </a:rPr>
+                        <a:t>smile</a:t>
+                      </a:r>
+                      <a:endParaRPr lang="en-US" sz="1200" b="0" i="0" u="none" strike="noStrike" dirty="0">
+                        <a:solidFill>
+                          <a:srgbClr val="000000"/>
+                        </a:solidFill>
+                        <a:effectLst/>
+                        <a:latin typeface="Calibri" panose="020F0502020204030204" pitchFamily="34" charset="0"/>
+                      </a:endParaRPr>
+                    </a:p>
+                  </a:txBody>
+                  <a:tcPr marL="14343" marR="14343" marT="14343" marB="0" anchor="b"/>
+                </a:tc>
+                <a:extLst>
+                  <a:ext uri="{0D108BD9-81ED-4DB2-BD59-A6C34878D82A}">
+                    <a16:rowId xmlns:a16="http://schemas.microsoft.com/office/drawing/2014/main" val="3889649105"/>
+                  </a:ext>
+                </a:extLst>
+              </a:tr>
+              <a:tr h="257796">
+                <a:tc>
+                  <a:txBody>
+                    <a:bodyPr/>
+                    <a:lstStyle/>
+                    <a:p>
+                      <a:pPr algn="ctr" fontAlgn="b"/>
+                      <a:r>
+                        <a:rPr lang="en-US" sz="1200" u="none" strike="noStrike">
+                          <a:effectLst/>
+                        </a:rPr>
+                        <a:t>RG2833</a:t>
+                      </a:r>
+                      <a:endParaRPr lang="en-US" sz="1200" b="0" i="0" u="none" strike="noStrike">
+                        <a:solidFill>
+                          <a:srgbClr val="000000"/>
+                        </a:solidFill>
+                        <a:effectLst/>
+                        <a:latin typeface="Calibri" panose="020F0502020204030204" pitchFamily="34" charset="0"/>
+                      </a:endParaRPr>
+                    </a:p>
+                  </a:txBody>
+                  <a:tcPr marL="14343" marR="14343" marT="14343" marB="0" anchor="b"/>
+                </a:tc>
+                <a:tc>
+                  <a:txBody>
+                    <a:bodyPr/>
+                    <a:lstStyle/>
+                    <a:p>
+                      <a:pPr algn="ctr" fontAlgn="b"/>
+                      <a:r>
+                        <a:rPr lang="en-US" sz="1200" u="none" strike="noStrike">
+                          <a:effectLst/>
+                        </a:rPr>
+                        <a:t>0.878604017</a:t>
+                      </a:r>
+                      <a:endParaRPr lang="en-US" sz="1200" b="0" i="0" u="none" strike="noStrike">
+                        <a:solidFill>
+                          <a:srgbClr val="000000"/>
+                        </a:solidFill>
+                        <a:effectLst/>
+                        <a:latin typeface="Calibri" panose="020F0502020204030204" pitchFamily="34" charset="0"/>
+                      </a:endParaRPr>
+                    </a:p>
+                  </a:txBody>
+                  <a:tcPr marL="14343" marR="14343" marT="14343" marB="0" anchor="b"/>
+                </a:tc>
+                <a:tc>
+                  <a:txBody>
+                    <a:bodyPr/>
+                    <a:lstStyle/>
+                    <a:p>
+                      <a:pPr algn="ctr" fontAlgn="b"/>
+                      <a:r>
+                        <a:rPr lang="en-US" sz="1200" u="none" strike="noStrike">
+                          <a:effectLst/>
+                        </a:rPr>
+                        <a:t>HDAC</a:t>
+                      </a:r>
+                      <a:endParaRPr lang="en-US" sz="1200" b="0" i="0" u="none" strike="noStrike">
+                        <a:solidFill>
+                          <a:srgbClr val="000000"/>
+                        </a:solidFill>
+                        <a:effectLst/>
+                        <a:latin typeface="Calibri" panose="020F0502020204030204" pitchFamily="34" charset="0"/>
+                      </a:endParaRPr>
+                    </a:p>
+                  </a:txBody>
+                  <a:tcPr marL="14343" marR="14343" marT="14343" marB="0" anchor="b"/>
+                </a:tc>
+                <a:tc>
+                  <a:txBody>
+                    <a:bodyPr/>
+                    <a:lstStyle/>
+                    <a:p>
+                      <a:pPr algn="ctr" fontAlgn="b"/>
+                      <a:r>
+                        <a:rPr lang="en-US" sz="1200" u="none" strike="noStrike">
+                          <a:effectLst/>
+                        </a:rPr>
+                        <a:t>0.3</a:t>
+                      </a:r>
+                      <a:endParaRPr lang="en-US" sz="1200" b="0" i="0" u="none" strike="noStrike">
+                        <a:solidFill>
+                          <a:srgbClr val="000000"/>
+                        </a:solidFill>
+                        <a:effectLst/>
+                        <a:latin typeface="Calibri" panose="020F0502020204030204" pitchFamily="34" charset="0"/>
+                      </a:endParaRPr>
+                    </a:p>
+                  </a:txBody>
+                  <a:tcPr marL="14343" marR="14343" marT="14343" marB="0" anchor="b"/>
+                </a:tc>
+                <a:tc>
+                  <a:txBody>
+                    <a:bodyPr/>
+                    <a:lstStyle/>
+                    <a:p>
+                      <a:pPr algn="ctr" fontAlgn="b"/>
+                      <a:r>
+                        <a:rPr lang="pt-BR" sz="1200" u="none" strike="noStrike">
+                          <a:effectLst/>
+                        </a:rPr>
+                        <a:t>Cc1ccc(C(=O)NCCCCCC(=O)Nc2ccccc2N)cc1</a:t>
+                      </a:r>
+                      <a:endParaRPr lang="pt-BR" sz="1200" b="0" i="0" u="none" strike="noStrike">
+                        <a:solidFill>
+                          <a:srgbClr val="000000"/>
+                        </a:solidFill>
+                        <a:effectLst/>
+                        <a:latin typeface="Calibri" panose="020F0502020204030204" pitchFamily="34" charset="0"/>
+                      </a:endParaRPr>
+                    </a:p>
+                  </a:txBody>
+                  <a:tcPr marL="14343" marR="14343" marT="14343" marB="0" anchor="b"/>
+                </a:tc>
+                <a:extLst>
+                  <a:ext uri="{0D108BD9-81ED-4DB2-BD59-A6C34878D82A}">
+                    <a16:rowId xmlns:a16="http://schemas.microsoft.com/office/drawing/2014/main" val="3950553391"/>
+                  </a:ext>
+                </a:extLst>
+              </a:tr>
+              <a:tr h="214386">
+                <a:tc>
+                  <a:txBody>
+                    <a:bodyPr/>
+                    <a:lstStyle/>
+                    <a:p>
+                      <a:pPr algn="ctr" fontAlgn="b"/>
+                      <a:r>
+                        <a:rPr lang="en-US" sz="1200" u="none" strike="noStrike" dirty="0">
+                          <a:effectLst/>
+                        </a:rPr>
+                        <a:t>CAY10603</a:t>
+                      </a:r>
+                      <a:endParaRPr lang="en-US" sz="1200" b="0" i="0" u="none" strike="noStrike" dirty="0">
+                        <a:solidFill>
+                          <a:srgbClr val="000000"/>
+                        </a:solidFill>
+                        <a:effectLst/>
+                        <a:latin typeface="Calibri" panose="020F0502020204030204" pitchFamily="34" charset="0"/>
+                      </a:endParaRPr>
+                    </a:p>
+                  </a:txBody>
+                  <a:tcPr marL="14343" marR="14343" marT="14343" marB="0" anchor="b"/>
+                </a:tc>
+                <a:tc>
+                  <a:txBody>
+                    <a:bodyPr/>
+                    <a:lstStyle/>
+                    <a:p>
+                      <a:pPr algn="ctr" fontAlgn="b"/>
+                      <a:r>
+                        <a:rPr lang="en-US" sz="1200" u="none" strike="noStrike">
+                          <a:effectLst/>
+                        </a:rPr>
+                        <a:t>0.901421639</a:t>
+                      </a:r>
+                      <a:endParaRPr lang="en-US" sz="1200" b="0" i="0" u="none" strike="noStrike">
+                        <a:solidFill>
+                          <a:srgbClr val="000000"/>
+                        </a:solidFill>
+                        <a:effectLst/>
+                        <a:latin typeface="Calibri" panose="020F0502020204030204" pitchFamily="34" charset="0"/>
+                      </a:endParaRPr>
+                    </a:p>
+                  </a:txBody>
+                  <a:tcPr marL="14343" marR="14343" marT="14343" marB="0" anchor="b"/>
+                </a:tc>
+                <a:tc>
+                  <a:txBody>
+                    <a:bodyPr/>
+                    <a:lstStyle/>
+                    <a:p>
+                      <a:pPr algn="ctr" fontAlgn="b"/>
+                      <a:r>
+                        <a:rPr lang="en-US" sz="1200" u="none" strike="noStrike">
+                          <a:effectLst/>
+                        </a:rPr>
+                        <a:t>HDAC</a:t>
+                      </a:r>
+                      <a:endParaRPr lang="en-US" sz="1200" b="0" i="0" u="none" strike="noStrike">
+                        <a:solidFill>
+                          <a:srgbClr val="000000"/>
+                        </a:solidFill>
+                        <a:effectLst/>
+                        <a:latin typeface="Calibri" panose="020F0502020204030204" pitchFamily="34" charset="0"/>
+                      </a:endParaRPr>
+                    </a:p>
+                  </a:txBody>
+                  <a:tcPr marL="14343" marR="14343" marT="14343" marB="0" anchor="b"/>
+                </a:tc>
+                <a:tc>
+                  <a:txBody>
+                    <a:bodyPr/>
+                    <a:lstStyle/>
+                    <a:p>
+                      <a:pPr algn="ctr" fontAlgn="b"/>
+                      <a:r>
+                        <a:rPr lang="en-US" sz="1200" u="none" strike="noStrike" dirty="0">
+                          <a:effectLst/>
+                        </a:rPr>
+                        <a:t>0.22</a:t>
+                      </a:r>
+                      <a:endParaRPr lang="en-US" sz="1200" b="0" i="0" u="none" strike="noStrike" dirty="0">
+                        <a:solidFill>
+                          <a:srgbClr val="000000"/>
+                        </a:solidFill>
+                        <a:effectLst/>
+                        <a:latin typeface="Calibri" panose="020F0502020204030204" pitchFamily="34" charset="0"/>
+                      </a:endParaRPr>
+                    </a:p>
+                  </a:txBody>
+                  <a:tcPr marL="14343" marR="14343" marT="14343" marB="0" anchor="b"/>
+                </a:tc>
+                <a:tc>
+                  <a:txBody>
+                    <a:bodyPr/>
+                    <a:lstStyle/>
+                    <a:p>
+                      <a:pPr algn="ctr" fontAlgn="b"/>
+                      <a:r>
+                        <a:rPr lang="pt-BR" sz="1200" u="none" strike="noStrike" dirty="0">
+                          <a:effectLst/>
+                        </a:rPr>
+                        <a:t>CC(C)(C)OC(=O)Nc1ccc(-c2cc(C(=O)NCCCCCCC(O)=NO)no2)cc1</a:t>
+                      </a:r>
+                      <a:endParaRPr lang="pt-BR" sz="1200" b="0" i="0" u="none" strike="noStrike" dirty="0">
+                        <a:solidFill>
+                          <a:srgbClr val="000000"/>
+                        </a:solidFill>
+                        <a:effectLst/>
+                        <a:latin typeface="Calibri" panose="020F0502020204030204" pitchFamily="34" charset="0"/>
+                      </a:endParaRPr>
+                    </a:p>
+                  </a:txBody>
+                  <a:tcPr marL="14343" marR="14343" marT="14343" marB="0" anchor="b"/>
+                </a:tc>
+                <a:extLst>
+                  <a:ext uri="{0D108BD9-81ED-4DB2-BD59-A6C34878D82A}">
+                    <a16:rowId xmlns:a16="http://schemas.microsoft.com/office/drawing/2014/main" val="4120225493"/>
+                  </a:ext>
+                </a:extLst>
+              </a:tr>
+              <a:tr h="257796">
+                <a:tc>
+                  <a:txBody>
+                    <a:bodyPr/>
+                    <a:lstStyle/>
+                    <a:p>
+                      <a:pPr algn="ctr" fontAlgn="b"/>
+                      <a:r>
+                        <a:rPr lang="en-US" sz="1200" u="none" strike="noStrike">
+                          <a:effectLst/>
+                        </a:rPr>
+                        <a:t>JCP2022_086584</a:t>
+                      </a:r>
+                      <a:endParaRPr lang="en-US" sz="1200" b="0" i="0" u="none" strike="noStrike">
+                        <a:solidFill>
+                          <a:srgbClr val="000000"/>
+                        </a:solidFill>
+                        <a:effectLst/>
+                        <a:latin typeface="Calibri" panose="020F0502020204030204" pitchFamily="34" charset="0"/>
+                      </a:endParaRPr>
+                    </a:p>
+                  </a:txBody>
+                  <a:tcPr marL="14343" marR="14343" marT="14343" marB="0" anchor="b"/>
+                </a:tc>
+                <a:tc>
+                  <a:txBody>
+                    <a:bodyPr/>
+                    <a:lstStyle/>
+                    <a:p>
+                      <a:pPr algn="ctr" fontAlgn="b"/>
+                      <a:r>
+                        <a:rPr lang="en-US" sz="1200" u="none" strike="noStrike">
+                          <a:effectLst/>
+                        </a:rPr>
+                        <a:t>0.902807129</a:t>
+                      </a:r>
+                      <a:endParaRPr lang="en-US" sz="1200" b="0" i="0" u="none" strike="noStrike">
+                        <a:solidFill>
+                          <a:srgbClr val="000000"/>
+                        </a:solidFill>
+                        <a:effectLst/>
+                        <a:latin typeface="Calibri" panose="020F0502020204030204" pitchFamily="34" charset="0"/>
+                      </a:endParaRPr>
+                    </a:p>
+                  </a:txBody>
+                  <a:tcPr marL="14343" marR="14343" marT="14343" marB="0" anchor="b"/>
+                </a:tc>
+                <a:tc>
+                  <a:txBody>
+                    <a:bodyPr/>
+                    <a:lstStyle/>
+                    <a:p>
+                      <a:pPr algn="ctr" fontAlgn="b"/>
+                      <a:r>
+                        <a:rPr lang="en-US" sz="1200" u="none" strike="noStrike">
+                          <a:effectLst/>
+                        </a:rPr>
+                        <a:t>HDAC</a:t>
+                      </a:r>
+                      <a:endParaRPr lang="en-US" sz="1200" b="0" i="0" u="none" strike="noStrike">
+                        <a:solidFill>
+                          <a:srgbClr val="000000"/>
+                        </a:solidFill>
+                        <a:effectLst/>
+                        <a:latin typeface="Calibri" panose="020F0502020204030204" pitchFamily="34" charset="0"/>
+                      </a:endParaRPr>
+                    </a:p>
+                  </a:txBody>
+                  <a:tcPr marL="14343" marR="14343" marT="14343" marB="0" anchor="b"/>
+                </a:tc>
+                <a:tc>
+                  <a:txBody>
+                    <a:bodyPr/>
+                    <a:lstStyle/>
+                    <a:p>
+                      <a:pPr algn="ctr" fontAlgn="b"/>
+                      <a:r>
+                        <a:rPr lang="en-US" sz="1200" u="none" strike="noStrike">
+                          <a:effectLst/>
+                        </a:rPr>
+                        <a:t>0.09</a:t>
+                      </a:r>
+                      <a:endParaRPr lang="en-US" sz="1200" b="0" i="0" u="none" strike="noStrike">
+                        <a:solidFill>
+                          <a:srgbClr val="000000"/>
+                        </a:solidFill>
+                        <a:effectLst/>
+                        <a:latin typeface="Calibri" panose="020F0502020204030204" pitchFamily="34" charset="0"/>
+                      </a:endParaRPr>
+                    </a:p>
+                  </a:txBody>
+                  <a:tcPr marL="14343" marR="14343" marT="14343" marB="0" anchor="b"/>
+                </a:tc>
+                <a:tc>
+                  <a:txBody>
+                    <a:bodyPr/>
+                    <a:lstStyle/>
+                    <a:p>
+                      <a:pPr algn="ctr" fontAlgn="b"/>
+                      <a:r>
+                        <a:rPr lang="pt-BR" sz="1200" u="none" strike="noStrike">
+                          <a:effectLst/>
+                        </a:rPr>
+                        <a:t>Nc1cc(F)ccc1NC(=O)c1ccc(CNC(=O)C=Cc2cccnc2)cc1</a:t>
+                      </a:r>
+                      <a:endParaRPr lang="pt-BR" sz="1200" b="0" i="0" u="none" strike="noStrike">
+                        <a:solidFill>
+                          <a:srgbClr val="000000"/>
+                        </a:solidFill>
+                        <a:effectLst/>
+                        <a:latin typeface="Calibri" panose="020F0502020204030204" pitchFamily="34" charset="0"/>
+                      </a:endParaRPr>
+                    </a:p>
+                  </a:txBody>
+                  <a:tcPr marL="14343" marR="14343" marT="14343" marB="0" anchor="b"/>
+                </a:tc>
+                <a:extLst>
+                  <a:ext uri="{0D108BD9-81ED-4DB2-BD59-A6C34878D82A}">
+                    <a16:rowId xmlns:a16="http://schemas.microsoft.com/office/drawing/2014/main" val="3897322921"/>
+                  </a:ext>
+                </a:extLst>
+              </a:tr>
+              <a:tr h="257796">
+                <a:tc>
+                  <a:txBody>
+                    <a:bodyPr/>
+                    <a:lstStyle/>
+                    <a:p>
+                      <a:pPr algn="ctr" fontAlgn="b"/>
+                      <a:r>
+                        <a:rPr lang="en-US" sz="1200" u="none" strike="noStrike">
+                          <a:effectLst/>
+                        </a:rPr>
+                        <a:t>AR-42</a:t>
+                      </a:r>
+                      <a:endParaRPr lang="en-US" sz="1200" b="0" i="0" u="none" strike="noStrike">
+                        <a:solidFill>
+                          <a:srgbClr val="000000"/>
+                        </a:solidFill>
+                        <a:effectLst/>
+                        <a:latin typeface="Calibri" panose="020F0502020204030204" pitchFamily="34" charset="0"/>
+                      </a:endParaRPr>
+                    </a:p>
+                  </a:txBody>
+                  <a:tcPr marL="14343" marR="14343" marT="14343" marB="0" anchor="b"/>
+                </a:tc>
+                <a:tc>
+                  <a:txBody>
+                    <a:bodyPr/>
+                    <a:lstStyle/>
+                    <a:p>
+                      <a:pPr algn="ctr" fontAlgn="b"/>
+                      <a:r>
+                        <a:rPr lang="en-US" sz="1200" u="none" strike="noStrike">
+                          <a:effectLst/>
+                        </a:rPr>
+                        <a:t>0.932925381</a:t>
+                      </a:r>
+                      <a:endParaRPr lang="en-US" sz="1200" b="0" i="0" u="none" strike="noStrike">
+                        <a:solidFill>
+                          <a:srgbClr val="000000"/>
+                        </a:solidFill>
+                        <a:effectLst/>
+                        <a:latin typeface="Calibri" panose="020F0502020204030204" pitchFamily="34" charset="0"/>
+                      </a:endParaRPr>
+                    </a:p>
+                  </a:txBody>
+                  <a:tcPr marL="14343" marR="14343" marT="14343" marB="0" anchor="b"/>
+                </a:tc>
+                <a:tc>
+                  <a:txBody>
+                    <a:bodyPr/>
+                    <a:lstStyle/>
+                    <a:p>
+                      <a:pPr algn="ctr" fontAlgn="b"/>
+                      <a:r>
+                        <a:rPr lang="en-US" sz="1200" u="none" strike="noStrike">
+                          <a:effectLst/>
+                        </a:rPr>
+                        <a:t>HDAC</a:t>
+                      </a:r>
+                      <a:endParaRPr lang="en-US" sz="1200" b="0" i="0" u="none" strike="noStrike">
+                        <a:solidFill>
+                          <a:srgbClr val="000000"/>
+                        </a:solidFill>
+                        <a:effectLst/>
+                        <a:latin typeface="Calibri" panose="020F0502020204030204" pitchFamily="34" charset="0"/>
+                      </a:endParaRPr>
+                    </a:p>
+                  </a:txBody>
+                  <a:tcPr marL="14343" marR="14343" marT="14343" marB="0" anchor="b"/>
+                </a:tc>
+                <a:tc>
+                  <a:txBody>
+                    <a:bodyPr/>
+                    <a:lstStyle/>
+                    <a:p>
+                      <a:pPr algn="ctr" fontAlgn="b"/>
+                      <a:r>
+                        <a:rPr lang="en-US" sz="1200" u="none" strike="noStrike">
+                          <a:effectLst/>
+                        </a:rPr>
+                        <a:t>0.14</a:t>
+                      </a:r>
+                      <a:endParaRPr lang="en-US" sz="1200" b="0" i="0" u="none" strike="noStrike">
+                        <a:solidFill>
+                          <a:srgbClr val="000000"/>
+                        </a:solidFill>
+                        <a:effectLst/>
+                        <a:latin typeface="Calibri" panose="020F0502020204030204" pitchFamily="34" charset="0"/>
+                      </a:endParaRPr>
+                    </a:p>
+                  </a:txBody>
+                  <a:tcPr marL="14343" marR="14343" marT="14343" marB="0" anchor="b"/>
+                </a:tc>
+                <a:tc>
+                  <a:txBody>
+                    <a:bodyPr/>
+                    <a:lstStyle/>
+                    <a:p>
+                      <a:pPr algn="ctr" fontAlgn="b"/>
+                      <a:r>
+                        <a:rPr lang="pt-BR" sz="1200" u="none" strike="noStrike">
+                          <a:effectLst/>
+                        </a:rPr>
+                        <a:t>CC(C)C(C(=O)Nc1ccc(C(O)=NO)cc1)c1ccccc1</a:t>
+                      </a:r>
+                      <a:endParaRPr lang="pt-BR" sz="1200" b="0" i="0" u="none" strike="noStrike">
+                        <a:solidFill>
+                          <a:srgbClr val="000000"/>
+                        </a:solidFill>
+                        <a:effectLst/>
+                        <a:latin typeface="Calibri" panose="020F0502020204030204" pitchFamily="34" charset="0"/>
+                      </a:endParaRPr>
+                    </a:p>
+                  </a:txBody>
+                  <a:tcPr marL="14343" marR="14343" marT="14343" marB="0" anchor="b"/>
+                </a:tc>
+                <a:extLst>
+                  <a:ext uri="{0D108BD9-81ED-4DB2-BD59-A6C34878D82A}">
+                    <a16:rowId xmlns:a16="http://schemas.microsoft.com/office/drawing/2014/main" val="2186730272"/>
+                  </a:ext>
+                </a:extLst>
+              </a:tr>
+              <a:tr h="235929">
+                <a:tc>
+                  <a:txBody>
+                    <a:bodyPr/>
+                    <a:lstStyle/>
+                    <a:p>
+                      <a:pPr algn="ctr" fontAlgn="b"/>
+                      <a:r>
+                        <a:rPr lang="en-US" sz="1200" u="none" strike="noStrike">
+                          <a:effectLst/>
+                        </a:rPr>
+                        <a:t>Abexinostat</a:t>
+                      </a:r>
+                      <a:endParaRPr lang="en-US" sz="1200" b="0" i="0" u="none" strike="noStrike">
+                        <a:solidFill>
+                          <a:srgbClr val="000000"/>
+                        </a:solidFill>
+                        <a:effectLst/>
+                        <a:latin typeface="Calibri" panose="020F0502020204030204" pitchFamily="34" charset="0"/>
+                      </a:endParaRPr>
+                    </a:p>
+                  </a:txBody>
+                  <a:tcPr marL="14343" marR="14343" marT="14343" marB="0" anchor="b"/>
+                </a:tc>
+                <a:tc>
+                  <a:txBody>
+                    <a:bodyPr/>
+                    <a:lstStyle/>
+                    <a:p>
+                      <a:pPr algn="ctr" fontAlgn="b"/>
+                      <a:r>
+                        <a:rPr lang="en-US" sz="1200" u="none" strike="noStrike">
+                          <a:effectLst/>
+                        </a:rPr>
+                        <a:t>0.905684625</a:t>
+                      </a:r>
+                      <a:endParaRPr lang="en-US" sz="1200" b="0" i="0" u="none" strike="noStrike">
+                        <a:solidFill>
+                          <a:srgbClr val="000000"/>
+                        </a:solidFill>
+                        <a:effectLst/>
+                        <a:latin typeface="Calibri" panose="020F0502020204030204" pitchFamily="34" charset="0"/>
+                      </a:endParaRPr>
+                    </a:p>
+                  </a:txBody>
+                  <a:tcPr marL="14343" marR="14343" marT="14343" marB="0" anchor="b"/>
+                </a:tc>
+                <a:tc>
+                  <a:txBody>
+                    <a:bodyPr/>
+                    <a:lstStyle/>
+                    <a:p>
+                      <a:pPr algn="ctr" fontAlgn="b"/>
+                      <a:r>
+                        <a:rPr lang="en-US" sz="1200" u="none" strike="noStrike">
+                          <a:effectLst/>
+                        </a:rPr>
+                        <a:t>HDAC</a:t>
+                      </a:r>
+                      <a:endParaRPr lang="en-US" sz="1200" b="0" i="0" u="none" strike="noStrike">
+                        <a:solidFill>
+                          <a:srgbClr val="000000"/>
+                        </a:solidFill>
+                        <a:effectLst/>
+                        <a:latin typeface="Calibri" panose="020F0502020204030204" pitchFamily="34" charset="0"/>
+                      </a:endParaRPr>
+                    </a:p>
+                  </a:txBody>
+                  <a:tcPr marL="14343" marR="14343" marT="14343" marB="0" anchor="b"/>
+                </a:tc>
+                <a:tc>
+                  <a:txBody>
+                    <a:bodyPr/>
+                    <a:lstStyle/>
+                    <a:p>
+                      <a:pPr algn="ctr" fontAlgn="b"/>
+                      <a:r>
+                        <a:rPr lang="en-US" sz="1200" u="none" strike="noStrike">
+                          <a:effectLst/>
+                        </a:rPr>
+                        <a:t>0.1</a:t>
+                      </a:r>
+                      <a:endParaRPr lang="en-US" sz="1200" b="0" i="0" u="none" strike="noStrike">
+                        <a:solidFill>
+                          <a:srgbClr val="000000"/>
+                        </a:solidFill>
+                        <a:effectLst/>
+                        <a:latin typeface="Calibri" panose="020F0502020204030204" pitchFamily="34" charset="0"/>
+                      </a:endParaRPr>
+                    </a:p>
+                  </a:txBody>
+                  <a:tcPr marL="14343" marR="14343" marT="14343" marB="0" anchor="b"/>
+                </a:tc>
+                <a:tc>
+                  <a:txBody>
+                    <a:bodyPr/>
+                    <a:lstStyle/>
+                    <a:p>
+                      <a:pPr algn="ctr" fontAlgn="b"/>
+                      <a:r>
+                        <a:rPr lang="pt-BR" sz="1200" u="none" strike="noStrike" dirty="0">
+                          <a:effectLst/>
+                        </a:rPr>
+                        <a:t>CN(C)Cc1c(C(=O)NCCOc2ccc(C(O)=NO)cc2)oc2ccccc12</a:t>
+                      </a:r>
+                      <a:endParaRPr lang="pt-BR" sz="1200" b="0" i="0" u="none" strike="noStrike" dirty="0">
+                        <a:solidFill>
+                          <a:srgbClr val="000000"/>
+                        </a:solidFill>
+                        <a:effectLst/>
+                        <a:latin typeface="Calibri" panose="020F0502020204030204" pitchFamily="34" charset="0"/>
+                      </a:endParaRPr>
+                    </a:p>
+                  </a:txBody>
+                  <a:tcPr marL="14343" marR="14343" marT="14343" marB="0" anchor="b"/>
+                </a:tc>
+                <a:extLst>
+                  <a:ext uri="{0D108BD9-81ED-4DB2-BD59-A6C34878D82A}">
+                    <a16:rowId xmlns:a16="http://schemas.microsoft.com/office/drawing/2014/main" val="4119683515"/>
+                  </a:ext>
+                </a:extLst>
+              </a:tr>
+            </a:tbl>
+          </a:graphicData>
+        </a:graphic>
+      </p:graphicFrame>
+      <p:sp>
+        <p:nvSpPr>
+          <p:cNvPr id="7" name="TextBox 6">
+            <a:extLst>
+              <a:ext uri="{FF2B5EF4-FFF2-40B4-BE49-F238E27FC236}">
+                <a16:creationId xmlns:a16="http://schemas.microsoft.com/office/drawing/2014/main" id="{500C6230-A21B-1FCC-EA51-F6F15E618D4F}"/>
+              </a:ext>
+            </a:extLst>
+          </p:cNvPr>
+          <p:cNvSpPr txBox="1"/>
+          <p:nvPr/>
+        </p:nvSpPr>
+        <p:spPr>
+          <a:xfrm>
+            <a:off x="3224387" y="2598291"/>
+            <a:ext cx="6094674" cy="369332"/>
+          </a:xfrm>
+          <a:prstGeom prst="rect">
+            <a:avLst/>
+          </a:prstGeom>
+          <a:noFill/>
+        </p:spPr>
+        <p:txBody>
+          <a:bodyPr wrap="square">
+            <a:spAutoFit/>
+          </a:bodyPr>
+          <a:lstStyle/>
+          <a:p>
+            <a:r>
+              <a:rPr lang="en-US" sz="1800" dirty="0"/>
+              <a:t>DM1</a:t>
+            </a:r>
+            <a:endParaRPr lang="en-US" dirty="0"/>
+          </a:p>
+        </p:txBody>
+      </p:sp>
+    </p:spTree>
+    <p:extLst>
+      <p:ext uri="{BB962C8B-B14F-4D97-AF65-F5344CB8AC3E}">
+        <p14:creationId xmlns:p14="http://schemas.microsoft.com/office/powerpoint/2010/main" val="3118143109"/>
       </p:ext>
     </p:extLst>
   </p:cSld>
